--- a/Sistem programari ghișeu – MILESTONE 2.pptx
+++ b/Sistem programari ghișeu – MILESTONE 2.pptx
@@ -5,7 +5,7 @@
     <p:sldMasterId id="2147483660" r:id="rId1"/>
   </p:sldMasterIdLst>
   <p:notesMasterIdLst>
-    <p:notesMasterId r:id="rId12"/>
+    <p:notesMasterId r:id="rId13"/>
   </p:notesMasterIdLst>
   <p:sldIdLst>
     <p:sldId id="2561" r:id="rId2"/>
@@ -16,8 +16,9 @@
     <p:sldId id="2585" r:id="rId7"/>
     <p:sldId id="2572" r:id="rId8"/>
     <p:sldId id="2575" r:id="rId9"/>
-    <p:sldId id="2580" r:id="rId10"/>
-    <p:sldId id="2583" r:id="rId11"/>
+    <p:sldId id="2587" r:id="rId10"/>
+    <p:sldId id="2580" r:id="rId11"/>
+    <p:sldId id="2583" r:id="rId12"/>
   </p:sldIdLst>
   <p:sldSz cx="12192000" cy="6858000"/>
   <p:notesSz cx="6858000" cy="9144000"/>
@@ -145,6 +146,7 @@
         <p14:section name="UI exemple" id="{5D6A0E4B-2AFE-4867-86A3-2267F87F2878}">
           <p14:sldIdLst>
             <p14:sldId id="2575"/>
+            <p14:sldId id="2587"/>
           </p14:sldIdLst>
         </p14:section>
         <p14:section name="Team Contributions and Roles" id="{F936C4D4-D821-4DB7-9FD2-9B7CBDE0E2C0}">
@@ -158,6 +160,9 @@
           </p14:sldIdLst>
         </p14:section>
       </p14:sectionLst>
+    </p:ext>
+    <p:ext uri="{EFAFB233-063F-42B5-8137-9DF3F51BA10A}">
+      <p15:sldGuideLst xmlns:p15="http://schemas.microsoft.com/office/powerpoint/2012/main"/>
     </p:ext>
   </p:extLst>
 </p:presentation>
@@ -557,12 +562,7 @@
           <a:bodyPr/>
           <a:lstStyle/>
           <a:p>
-            <a:r>
-              <a:rPr lang="en-GB"/>
-              <a:t>AI-generated content may be incorrect.
----
-</a:t>
-            </a:r>
+            <a:endParaRPr lang="en-GB" dirty="0"/>
           </a:p>
         </p:txBody>
       </p:sp>
@@ -646,10 +646,7 @@
           <a:bodyPr/>
           <a:lstStyle/>
           <a:p>
-            <a:r>
-              <a:rPr lang="en-GB"/>
-              <a:t>This presentation has highlighted our foundational implementations without design patterns, assessed code quality metrics through SonarQube, and showcased key coding examples. The team's collaborative efforts have set a solid baseline, revealing areas for improvement. Moving forward, these insights will guide the integration of design patterns to enhance code quality, maintainability, and project success.</a:t>
-            </a:r>
+            <a:endParaRPr lang="en-GB" dirty="0"/>
           </a:p>
         </p:txBody>
       </p:sp>
@@ -671,6 +668,90 @@
             <a:fld id="{23235654-BF84-49CA-A20F-0BFC1E59E591}" type="slidenum">
               <a:rPr lang="en-GB" smtClean="0"/>
               <a:t>10</a:t>
+            </a:fld>
+            <a:endParaRPr lang="en-GB"/>
+          </a:p>
+        </p:txBody>
+      </p:sp>
+    </p:spTree>
+    <p:extLst>
+      <p:ext uri="{BB962C8B-B14F-4D97-AF65-F5344CB8AC3E}">
+        <p14:creationId xmlns:p14="http://schemas.microsoft.com/office/powerpoint/2010/main" val="1586058821"/>
+      </p:ext>
+    </p:extLst>
+  </p:cSld>
+  <p:clrMapOvr>
+    <a:masterClrMapping/>
+  </p:clrMapOvr>
+</p:notes>
+</file>
+
+<file path=ppt/notesSlides/notesSlide11.xml><?xml version="1.0" encoding="utf-8"?>
+<p:notes xmlns:a="http://schemas.openxmlformats.org/drawingml/2006/main" xmlns:r="http://schemas.openxmlformats.org/officeDocument/2006/relationships" xmlns:p="http://schemas.openxmlformats.org/presentationml/2006/main">
+  <p:cSld>
+    <p:spTree>
+      <p:nvGrpSpPr>
+        <p:cNvPr id="1" name=""/>
+        <p:cNvGrpSpPr/>
+        <p:nvPr/>
+      </p:nvGrpSpPr>
+      <p:grpSpPr>
+        <a:xfrm>
+          <a:off x="0" y="0"/>
+          <a:ext cx="0" cy="0"/>
+          <a:chOff x="0" y="0"/>
+          <a:chExt cx="0" cy="0"/>
+        </a:xfrm>
+      </p:grpSpPr>
+      <p:sp>
+        <p:nvSpPr>
+          <p:cNvPr id="2" name="Slide Image Placeholder 1"/>
+          <p:cNvSpPr>
+            <a:spLocks noGrp="1" noRot="1" noChangeAspect="1"/>
+          </p:cNvSpPr>
+          <p:nvPr>
+            <p:ph type="sldImg"/>
+          </p:nvPr>
+        </p:nvSpPr>
+        <p:spPr/>
+      </p:sp>
+      <p:sp>
+        <p:nvSpPr>
+          <p:cNvPr id="3" name="Notes Placeholder 2"/>
+          <p:cNvSpPr>
+            <a:spLocks noGrp="1"/>
+          </p:cNvSpPr>
+          <p:nvPr>
+            <p:ph type="body" idx="1"/>
+          </p:nvPr>
+        </p:nvSpPr>
+        <p:spPr/>
+        <p:txBody>
+          <a:bodyPr/>
+          <a:lstStyle/>
+          <a:p>
+            <a:endParaRPr lang="en-GB" dirty="0"/>
+          </a:p>
+        </p:txBody>
+      </p:sp>
+      <p:sp>
+        <p:nvSpPr>
+          <p:cNvPr id="4" name="Slide Number Placeholder 3"/>
+          <p:cNvSpPr>
+            <a:spLocks noGrp="1"/>
+          </p:cNvSpPr>
+          <p:nvPr>
+            <p:ph type="sldNum" sz="quarter" idx="5"/>
+          </p:nvPr>
+        </p:nvSpPr>
+        <p:spPr/>
+        <p:txBody>
+          <a:bodyPr/>
+          <a:lstStyle/>
+          <a:p>
+            <a:fld id="{23235654-BF84-49CA-A20F-0BFC1E59E591}" type="slidenum">
+              <a:rPr lang="en-GB" smtClean="0"/>
+              <a:t>11</a:t>
             </a:fld>
             <a:endParaRPr lang="en-GB"/>
           </a:p>
@@ -733,14 +814,7 @@
           <a:bodyPr/>
           <a:lstStyle/>
           <a:p>
-            <a:r>
-              <a:rPr lang="en-GB"/>
-              <a:t>
----
-The Design Patterns project aims to improve software maintainability, scalability, and code quality by incorporating proven architectural and coding patterns. The primary goals are to establish standard coding practices, reduce technical debt, and enhance collaboration through shared design knowledge. This project addresses common software development challenges and prepares the codebase for future extensibility.
-Image source: AI-generated
-</a:t>
-            </a:r>
+            <a:endParaRPr lang="en-GB" dirty="0"/>
           </a:p>
         </p:txBody>
       </p:sp>
@@ -842,14 +916,7 @@
           <a:bodyPr/>
           <a:lstStyle/>
           <a:p>
-            <a:r>
-              <a:rPr lang="en-GB"/>
-              <a:t>
----
-The Design Patterns project aims to improve software maintainability, scalability, and code quality by incorporating proven architectural and coding patterns. The primary goals are to establish standard coding practices, reduce technical debt, and enhance collaboration through shared design knowledge. This project addresses common software development challenges and prepares the codebase for future extensibility.
-Image source: AI-generated
-</a:t>
-            </a:r>
+            <a:endParaRPr lang="en-GB" dirty="0"/>
           </a:p>
         </p:txBody>
       </p:sp>
@@ -939,14 +1006,7 @@
           <a:bodyPr/>
           <a:lstStyle/>
           <a:p>
-            <a:r>
-              <a:rPr lang="en-GB"/>
-              <a:t>
----
-The baseline implementation includes fundamental modules such as user authentication, data access layers, and simple UI components. These features were built with straightforward procedural and object-oriented programming methods without leveraging specialized design patterns, reflecting typical initial development practices.
-Image source: AI-generated
-</a:t>
-            </a:r>
+            <a:endParaRPr lang="en-GB" dirty="0"/>
           </a:p>
         </p:txBody>
       </p:sp>
@@ -1048,14 +1108,7 @@
           <a:bodyPr/>
           <a:lstStyle/>
           <a:p>
-            <a:r>
-              <a:rPr lang="en-GB"/>
-              <a:t>
----
-The baseline implementation includes fundamental modules such as user authentication, data access layers, and simple UI components. These features were built with straightforward procedural and object-oriented programming methods without leveraging specialized design patterns, reflecting typical initial development practices.
-Image source: AI-generated
-</a:t>
-            </a:r>
+            <a:endParaRPr lang="en-GB" dirty="0"/>
           </a:p>
         </p:txBody>
       </p:sp>
@@ -1163,14 +1216,7 @@
           <a:bodyPr/>
           <a:lstStyle/>
           <a:p>
-            <a:r>
-              <a:rPr lang="en-GB"/>
-              <a:t>
----
-The baseline implementation includes fundamental modules such as user authentication, data access layers, and simple UI components. These features were built with straightforward procedural and object-oriented programming methods without leveraging specialized design patterns, reflecting typical initial development practices.
-Image source: AI-generated
-</a:t>
-            </a:r>
+            <a:endParaRPr lang="en-GB" dirty="0"/>
           </a:p>
         </p:txBody>
       </p:sp>
@@ -1260,14 +1306,7 @@
           <a:bodyPr/>
           <a:lstStyle/>
           <a:p>
-            <a:r>
-              <a:rPr lang="en-GB"/>
-              <a:t>
----
-SonarQube is an automated static code analysis tool that assesses code quality by detecting bugs, code smells, and vulnerabilities. In this project, SonarQube provides objective metrics to evaluate the baseline code, guides refactoring priorities, and tracks progress during pattern implementation iterations.
-Image source: AI-generated
-</a:t>
-            </a:r>
+            <a:endParaRPr lang="en-GB" dirty="0"/>
           </a:p>
         </p:txBody>
       </p:sp>
@@ -1351,10 +1390,7 @@
           <a:bodyPr/>
           <a:lstStyle/>
           <a:p>
-            <a:r>
-              <a:rPr lang="en-GB"/>
-              <a:t>Selected Code Snippets From Basic Implementations, Explanation of Code Structure and Logic, Identifying Areas for Improvement with Design Patterns</a:t>
-            </a:r>
+            <a:endParaRPr lang="en-GB" dirty="0"/>
           </a:p>
         </p:txBody>
       </p:sp>
@@ -1399,7 +1435,13 @@
   <p:cSld>
     <p:spTree>
       <p:nvGrpSpPr>
-        <p:cNvPr id="1" name=""/>
+        <p:cNvPr id="1" name="">
+          <a:extLst>
+            <a:ext uri="{FF2B5EF4-FFF2-40B4-BE49-F238E27FC236}">
+              <a16:creationId xmlns:a16="http://schemas.microsoft.com/office/drawing/2014/main" id="{EFEC260C-5F94-27D0-9D8F-9D8D0FADD18D}"/>
+            </a:ext>
+          </a:extLst>
+        </p:cNvPr>
         <p:cNvGrpSpPr/>
         <p:nvPr/>
       </p:nvGrpSpPr>
@@ -1413,7 +1455,13 @@
       </p:grpSpPr>
       <p:sp>
         <p:nvSpPr>
-          <p:cNvPr id="2" name="Slide Image Placeholder 1"/>
+          <p:cNvPr id="2" name="Slide Image Placeholder 1">
+            <a:extLst>
+              <a:ext uri="{FF2B5EF4-FFF2-40B4-BE49-F238E27FC236}">
+                <a16:creationId xmlns:a16="http://schemas.microsoft.com/office/drawing/2014/main" id="{0F744130-81FC-DB7D-5E7F-FCAE855F9630}"/>
+              </a:ext>
+            </a:extLst>
+          </p:cNvPr>
           <p:cNvSpPr>
             <a:spLocks noGrp="1" noRot="1" noChangeAspect="1"/>
           </p:cNvSpPr>
@@ -1425,7 +1473,13 @@
       </p:sp>
       <p:sp>
         <p:nvSpPr>
-          <p:cNvPr id="3" name="Notes Placeholder 2"/>
+          <p:cNvPr id="3" name="Notes Placeholder 2">
+            <a:extLst>
+              <a:ext uri="{FF2B5EF4-FFF2-40B4-BE49-F238E27FC236}">
+                <a16:creationId xmlns:a16="http://schemas.microsoft.com/office/drawing/2014/main" id="{1E639657-60DF-E1A5-A03A-F9EEB5152F06}"/>
+              </a:ext>
+            </a:extLst>
+          </p:cNvPr>
           <p:cNvSpPr>
             <a:spLocks noGrp="1"/>
           </p:cNvSpPr>
@@ -1438,20 +1492,19 @@
           <a:bodyPr/>
           <a:lstStyle/>
           <a:p>
-            <a:r>
-              <a:rPr lang="en-GB"/>
-              <a:t>
----
-The team comprises developers, a QA engineer, a technical lead, and documentation specialists. Responsibilities ranged from feature development, code review, quality assurance, to milestone coordination. Role clarity enabled coordinated efforts towards milestone objectives.
-Image source: AI-generated
-</a:t>
-            </a:r>
-          </a:p>
-        </p:txBody>
-      </p:sp>
-      <p:sp>
-        <p:nvSpPr>
-          <p:cNvPr id="4" name="Slide Number Placeholder 3"/>
+            <a:endParaRPr lang="en-GB" dirty="0"/>
+          </a:p>
+        </p:txBody>
+      </p:sp>
+      <p:sp>
+        <p:nvSpPr>
+          <p:cNvPr id="4" name="Slide Number Placeholder 3">
+            <a:extLst>
+              <a:ext uri="{FF2B5EF4-FFF2-40B4-BE49-F238E27FC236}">
+                <a16:creationId xmlns:a16="http://schemas.microsoft.com/office/drawing/2014/main" id="{AC80D6D0-777A-E268-9866-1B121ECA9F43}"/>
+              </a:ext>
+            </a:extLst>
+          </p:cNvPr>
           <p:cNvSpPr>
             <a:spLocks noGrp="1"/>
           </p:cNvSpPr>
@@ -1475,7 +1528,7 @@
     </p:spTree>
     <p:extLst>
       <p:ext uri="{BB962C8B-B14F-4D97-AF65-F5344CB8AC3E}">
-        <p14:creationId xmlns:p14="http://schemas.microsoft.com/office/powerpoint/2010/main" val="1586058821"/>
+        <p14:creationId xmlns:p14="http://schemas.microsoft.com/office/powerpoint/2010/main" val="1200798022"/>
       </p:ext>
     </p:extLst>
   </p:cSld>
@@ -17020,46 +17073,6 @@
               <a:t>11/17/2025</a:t>
             </a:fld>
             <a:endParaRPr lang="en-US"/>
-          </a:p>
-        </p:txBody>
-      </p:sp>
-      <p:sp>
-        <p:nvSpPr>
-          <p:cNvPr id="5" name="Footer Placeholder 4">
-            <a:extLst>
-              <a:ext uri="{FF2B5EF4-FFF2-40B4-BE49-F238E27FC236}">
-                <a16:creationId xmlns:a16="http://schemas.microsoft.com/office/drawing/2014/main" id="{2F4FC20B-83C2-38BC-B6CF-0AABE699492C}"/>
-              </a:ext>
-            </a:extLst>
-          </p:cNvPr>
-          <p:cNvSpPr>
-            <a:spLocks noGrp="1"/>
-          </p:cNvSpPr>
-          <p:nvPr>
-            <p:ph type="ftr" sz="quarter" idx="11"/>
-          </p:nvPr>
-        </p:nvSpPr>
-        <p:spPr>
-          <a:xfrm>
-            <a:off x="8893370" y="6490524"/>
-            <a:ext cx="2662834" cy="336141"/>
-          </a:xfrm>
-        </p:spPr>
-        <p:txBody>
-          <a:bodyPr anchor="ctr">
-            <a:normAutofit/>
-          </a:bodyPr>
-          <a:lstStyle/>
-          <a:p>
-            <a:pPr>
-              <a:spcAft>
-                <a:spcPts val="600"/>
-              </a:spcAft>
-            </a:pPr>
-            <a:r>
-              <a:rPr lang="en-US"/>
-              <a:t>Sample Footer Text</a:t>
-            </a:r>
           </a:p>
         </p:txBody>
       </p:sp>
@@ -17606,7 +17619,7 @@
           <p:cNvPr id="2" name="Title 1">
             <a:extLst>
               <a:ext uri="{FF2B5EF4-FFF2-40B4-BE49-F238E27FC236}">
-                <a16:creationId xmlns:a16="http://schemas.microsoft.com/office/drawing/2014/main" id="{1DC8A8C1-26FE-F615-2994-771E12113371}"/>
+                <a16:creationId xmlns:a16="http://schemas.microsoft.com/office/drawing/2014/main" id="{B62FDEF2-7BDC-4462-5972-7B7A6F089BDD}"/>
               </a:ext>
             </a:extLst>
           </p:cNvPr>
@@ -17619,51 +17632,201 @@
         </p:nvSpPr>
         <p:spPr>
           <a:xfrm>
-            <a:off x="429768" y="1636776"/>
-            <a:ext cx="10890374" cy="1627632"/>
+            <a:off x="429768" y="548639"/>
+            <a:ext cx="4855464" cy="1453896"/>
           </a:xfrm>
         </p:spPr>
         <p:txBody>
-          <a:bodyPr anchor="t">
+          <a:bodyPr vert="horz" lIns="91440" tIns="45720" rIns="91440" bIns="45720" rtlCol="0" anchor="t">
             <a:normAutofit/>
           </a:bodyPr>
           <a:lstStyle/>
           <a:p>
             <a:r>
-              <a:rPr lang="en-GB" sz="3400" dirty="0" err="1"/>
-              <a:t>Multumim</a:t>
-            </a:r>
-            <a:r>
-              <a:rPr lang="en-GB" sz="3400" dirty="0"/>
-              <a:t>!</a:t>
-            </a:r>
-          </a:p>
-        </p:txBody>
-      </p:sp>
-      <p:sp>
-        <p:nvSpPr>
-          <p:cNvPr id="4" name="Date Placeholder 3">
-            <a:extLst>
-              <a:ext uri="{FF2B5EF4-FFF2-40B4-BE49-F238E27FC236}">
-                <a16:creationId xmlns:a16="http://schemas.microsoft.com/office/drawing/2014/main" id="{07A4A305-9411-AD43-BDEA-47A2159809BA}"/>
-              </a:ext>
-            </a:extLst>
-          </p:cNvPr>
-          <p:cNvSpPr>
-            <a:spLocks noGrp="1"/>
-          </p:cNvSpPr>
-          <p:nvPr>
-            <p:ph type="dt" sz="half" idx="10"/>
-          </p:nvPr>
-        </p:nvSpPr>
+              <a:rPr lang="en-US" b="0" kern="1200" cap="all" baseline="0" dirty="0" err="1">
+                <a:latin typeface="+mj-lt"/>
+                <a:ea typeface="+mj-ea"/>
+                <a:cs typeface="+mj-cs"/>
+              </a:rPr>
+              <a:t>Impartirea</a:t>
+            </a:r>
+            <a:r>
+              <a:rPr lang="en-US" b="0" kern="1200" cap="all" baseline="0" dirty="0">
+                <a:latin typeface="+mj-lt"/>
+                <a:ea typeface="+mj-ea"/>
+                <a:cs typeface="+mj-cs"/>
+              </a:rPr>
+              <a:t> </a:t>
+            </a:r>
+            <a:r>
+              <a:rPr lang="en-US" b="0" kern="1200" cap="all" baseline="0" dirty="0" err="1">
+                <a:latin typeface="+mj-lt"/>
+                <a:ea typeface="+mj-ea"/>
+                <a:cs typeface="+mj-cs"/>
+              </a:rPr>
+              <a:t>sarcinilor</a:t>
+            </a:r>
+            <a:endParaRPr lang="en-US" b="0" kern="1200" cap="all" baseline="0" dirty="0">
+              <a:latin typeface="+mj-lt"/>
+              <a:ea typeface="+mj-ea"/>
+              <a:cs typeface="+mj-cs"/>
+            </a:endParaRPr>
+          </a:p>
+        </p:txBody>
+      </p:sp>
+      <p:pic>
+        <p:nvPicPr>
+          <p:cNvPr id="7" name="Content Placeholder 6" descr="Team members collaborating with laptops, charts, and documents in a professional workspace">
+            <a:extLst>
+              <a:ext uri="{FF2B5EF4-FFF2-40B4-BE49-F238E27FC236}">
+                <a16:creationId xmlns:a16="http://schemas.microsoft.com/office/drawing/2014/main" id="{217884D9-783E-450B-89ED-A6B3DA950BDC}"/>
+              </a:ext>
+            </a:extLst>
+          </p:cNvPr>
+          <p:cNvPicPr>
+            <a:picLocks noGrp="1" noChangeAspect="1"/>
+          </p:cNvPicPr>
+          <p:nvPr>
+            <p:ph type="pic" sz="quarter" idx="15"/>
+          </p:nvPr>
+        </p:nvPicPr>
+        <p:blipFill>
+          <a:blip r:embed="rId3"/>
+          <a:srcRect l="11660" r="11053" b="3"/>
+          <a:stretch>
+            <a:fillRect/>
+          </a:stretch>
+        </p:blipFill>
         <p:spPr>
           <a:xfrm>
-            <a:off x="431172" y="6490524"/>
-            <a:ext cx="2841959" cy="336141"/>
+            <a:off x="20" y="2293496"/>
+            <a:ext cx="5285212" cy="4564504"/>
+          </a:xfrm>
+          <a:prstGeom prst="rect">
+            <a:avLst/>
+          </a:prstGeom>
+          <a:noFill/>
+        </p:spPr>
+      </p:pic>
+      <p:sp>
+        <p:nvSpPr>
+          <p:cNvPr id="8" name="TextBox 7">
+            <a:extLst>
+              <a:ext uri="{FF2B5EF4-FFF2-40B4-BE49-F238E27FC236}">
+                <a16:creationId xmlns:a16="http://schemas.microsoft.com/office/drawing/2014/main" id="{AC2AC527-B536-4CD5-94C4-AF63B9916423}"/>
+              </a:ext>
+            </a:extLst>
+          </p:cNvPr>
+          <p:cNvSpPr txBox="1"/>
+          <p:nvPr>
+            <p:extLst>
+              <p:ext uri="{E7BDC344-281C-4309-B0C6-D0EE65EED2A8}">
+                <p202:designPr xmlns:p202="http://schemas.microsoft.com/office/powerpoint/2020/02/main">
+                  <p202:designTagLst>
+                    <p202:designTag name="ARCH:1:CLS" val="InformationBlock"/>
+                    <p202:designTag name="ARCH:1:VSVAR" val="TitledTextBox"/>
+                  </p202:designTagLst>
+                </p202:designPr>
+              </p:ext>
+            </p:extLst>
+          </p:nvPr>
+        </p:nvSpPr>
+        <p:spPr>
+          <a:xfrm>
+            <a:off x="6096000" y="549275"/>
+            <a:ext cx="5585925" cy="5783263"/>
+          </a:xfrm>
+          <a:prstGeom prst="rect">
+            <a:avLst/>
+          </a:prstGeom>
+        </p:spPr>
+        <p:txBody>
+          <a:bodyPr>
+            <a:normAutofit/>
+          </a:bodyPr>
+          <a:lstStyle/>
+          <a:p>
+            <a:pPr marL="0" indent="0">
+              <a:spcBef>
+                <a:spcPts val="2500"/>
+              </a:spcBef>
+              <a:spcAft>
+                <a:spcPts val="600"/>
+              </a:spcAft>
+              <a:buFont typeface="Arial" panose="020B0604020202020204" pitchFamily="34" charset="0"/>
+              <a:buNone/>
+            </a:pPr>
+            <a:r>
+              <a:rPr lang="en-GB" sz="1600" dirty="0"/>
+              <a:t>Marius – UI, controllers, SonarQube</a:t>
+            </a:r>
+          </a:p>
+          <a:p>
+            <a:pPr marL="0" indent="0">
+              <a:spcBef>
+                <a:spcPts val="2500"/>
+              </a:spcBef>
+              <a:spcAft>
+                <a:spcPts val="600"/>
+              </a:spcAft>
+              <a:buFont typeface="Arial" panose="020B0604020202020204" pitchFamily="34" charset="0"/>
+              <a:buNone/>
+            </a:pPr>
+            <a:r>
+              <a:rPr lang="en-GB" sz="1600" dirty="0"/>
+              <a:t>Daria – Database connection, models, Docker Compose</a:t>
+            </a:r>
+          </a:p>
+          <a:p>
+            <a:pPr marL="0" indent="0">
+              <a:spcBef>
+                <a:spcPts val="2500"/>
+              </a:spcBef>
+              <a:spcAft>
+                <a:spcPts val="600"/>
+              </a:spcAft>
+              <a:buFont typeface="Arial" panose="020B0604020202020204" pitchFamily="34" charset="0"/>
+              <a:buNone/>
+            </a:pPr>
+            <a:r>
+              <a:rPr lang="en-GB" sz="1600" dirty="0"/>
+              <a:t>Andrei – Logica </a:t>
+            </a:r>
+            <a:r>
+              <a:rPr lang="en-GB" sz="1600" dirty="0" err="1"/>
+              <a:t>serviciilor</a:t>
+            </a:r>
+            <a:r>
+              <a:rPr lang="en-GB" sz="1600" dirty="0"/>
+              <a:t>, DTOs</a:t>
+            </a:r>
+          </a:p>
+        </p:txBody>
+      </p:sp>
+      <p:sp>
+        <p:nvSpPr>
+          <p:cNvPr id="4" name="Date Placeholder 3">
+            <a:extLst>
+              <a:ext uri="{FF2B5EF4-FFF2-40B4-BE49-F238E27FC236}">
+                <a16:creationId xmlns:a16="http://schemas.microsoft.com/office/drawing/2014/main" id="{830B21D0-57DE-1902-434B-AD829E404D26}"/>
+              </a:ext>
+            </a:extLst>
+          </p:cNvPr>
+          <p:cNvSpPr>
+            <a:spLocks noGrp="1"/>
+          </p:cNvSpPr>
+          <p:nvPr>
+            <p:ph type="dt" sz="half" idx="10"/>
+          </p:nvPr>
+        </p:nvSpPr>
+        <p:spPr>
+          <a:xfrm>
+            <a:off x="6096000" y="6492240"/>
+            <a:ext cx="2651760" cy="338328"/>
           </a:xfrm>
         </p:spPr>
         <p:txBody>
-          <a:bodyPr anchor="ctr">
+          <a:bodyPr vert="horz" lIns="91440" tIns="45720" rIns="91440" bIns="45720" rtlCol="0" anchor="ctr">
             <a:normAutofit/>
           </a:bodyPr>
           <a:lstStyle/>
@@ -17688,50 +17851,10 @@
       </p:sp>
       <p:sp>
         <p:nvSpPr>
-          <p:cNvPr id="5" name="Footer Placeholder 4">
-            <a:extLst>
-              <a:ext uri="{FF2B5EF4-FFF2-40B4-BE49-F238E27FC236}">
-                <a16:creationId xmlns:a16="http://schemas.microsoft.com/office/drawing/2014/main" id="{E30A5951-B909-4498-7CF3-EE5E4E32245A}"/>
-              </a:ext>
-            </a:extLst>
-          </p:cNvPr>
-          <p:cNvSpPr>
-            <a:spLocks noGrp="1"/>
-          </p:cNvSpPr>
-          <p:nvPr>
-            <p:ph type="ftr" sz="quarter" idx="11"/>
-          </p:nvPr>
-        </p:nvSpPr>
-        <p:spPr>
-          <a:xfrm>
-            <a:off x="8893370" y="6490524"/>
-            <a:ext cx="2662834" cy="336141"/>
-          </a:xfrm>
-        </p:spPr>
-        <p:txBody>
-          <a:bodyPr anchor="ctr">
-            <a:normAutofit/>
-          </a:bodyPr>
-          <a:lstStyle/>
-          <a:p>
-            <a:pPr>
-              <a:spcAft>
-                <a:spcPts val="600"/>
-              </a:spcAft>
-            </a:pPr>
-            <a:r>
-              <a:rPr lang="en-US"/>
-              <a:t>Sample Footer Text</a:t>
-            </a:r>
-          </a:p>
-        </p:txBody>
-      </p:sp>
-      <p:sp>
-        <p:nvSpPr>
           <p:cNvPr id="6" name="Slide Number Placeholder 5">
             <a:extLst>
               <a:ext uri="{FF2B5EF4-FFF2-40B4-BE49-F238E27FC236}">
-                <a16:creationId xmlns:a16="http://schemas.microsoft.com/office/drawing/2014/main" id="{2747F9DE-404F-6555-6D25-AF4757FE9377}"/>
+                <a16:creationId xmlns:a16="http://schemas.microsoft.com/office/drawing/2014/main" id="{DA7CD050-06DE-E24C-1383-88D679F91CE1}"/>
               </a:ext>
             </a:extLst>
           </p:cNvPr>
@@ -17749,7 +17872,7 @@
           </a:xfrm>
         </p:spPr>
         <p:txBody>
-          <a:bodyPr anchor="ctr">
+          <a:bodyPr vert="horz" lIns="91440" tIns="45720" rIns="91440" bIns="45720" rtlCol="0" anchor="ctr">
             <a:normAutofit/>
           </a:bodyPr>
           <a:lstStyle/>
@@ -17767,6 +17890,308 @@
                 </a:spcAft>
               </a:pPr>
               <a:t>10</a:t>
+            </a:fld>
+            <a:endParaRPr lang="en-US"/>
+          </a:p>
+        </p:txBody>
+      </p:sp>
+    </p:spTree>
+    <p:extLst>
+      <p:ext uri="{BB962C8B-B14F-4D97-AF65-F5344CB8AC3E}">
+        <p14:creationId xmlns:p14="http://schemas.microsoft.com/office/powerpoint/2010/main" val="3433122960"/>
+      </p:ext>
+    </p:extLst>
+  </p:cSld>
+  <p:clrMapOvr>
+    <a:masterClrMapping/>
+  </p:clrMapOvr>
+  <p:transition>
+    <p:fade/>
+  </p:transition>
+  <p:timing>
+    <p:tnLst>
+      <p:par>
+        <p:cTn id="1" dur="indefinite" restart="never" nodeType="tmRoot">
+          <p:childTnLst>
+            <p:seq concurrent="1" nextAc="seek">
+              <p:cTn id="2" dur="indefinite" nodeType="mainSeq">
+                <p:childTnLst>
+                  <p:par>
+                    <p:cTn id="3" fill="hold">
+                      <p:stCondLst>
+                        <p:cond delay="indefinite"/>
+                        <p:cond evt="onBegin" delay="0">
+                          <p:tn val="2"/>
+                        </p:cond>
+                      </p:stCondLst>
+                      <p:childTnLst>
+                        <p:par>
+                          <p:cTn id="4" fill="hold">
+                            <p:stCondLst>
+                              <p:cond delay="0"/>
+                            </p:stCondLst>
+                            <p:childTnLst>
+                              <p:par>
+                                <p:cTn id="5" presetID="42" presetClass="entr" presetSubtype="0" fill="hold" grpId="0" nodeType="withEffect">
+                                  <p:stCondLst>
+                                    <p:cond delay="250"/>
+                                  </p:stCondLst>
+                                  <p:iterate>
+                                    <p:tmPct val="10000"/>
+                                  </p:iterate>
+                                  <p:childTnLst>
+                                    <p:set>
+                                      <p:cBhvr>
+                                        <p:cTn id="6" dur="1" fill="hold">
+                                          <p:stCondLst>
+                                            <p:cond delay="0"/>
+                                          </p:stCondLst>
+                                        </p:cTn>
+                                        <p:tgtEl>
+                                          <p:spTgt spid="8"/>
+                                        </p:tgtEl>
+                                        <p:attrNameLst>
+                                          <p:attrName>style.visibility</p:attrName>
+                                        </p:attrNameLst>
+                                      </p:cBhvr>
+                                      <p:to>
+                                        <p:strVal val="visible"/>
+                                      </p:to>
+                                    </p:set>
+                                    <p:animEffect transition="in" filter="fade">
+                                      <p:cBhvr>
+                                        <p:cTn id="7" dur="250"/>
+                                        <p:tgtEl>
+                                          <p:spTgt spid="8"/>
+                                        </p:tgtEl>
+                                      </p:cBhvr>
+                                    </p:animEffect>
+                                    <p:anim calcmode="lin" valueType="num">
+                                      <p:cBhvr>
+                                        <p:cTn id="8" dur="250" fill="hold"/>
+                                        <p:tgtEl>
+                                          <p:spTgt spid="8"/>
+                                        </p:tgtEl>
+                                        <p:attrNameLst>
+                                          <p:attrName>ppt_x</p:attrName>
+                                        </p:attrNameLst>
+                                      </p:cBhvr>
+                                      <p:tavLst>
+                                        <p:tav tm="0">
+                                          <p:val>
+                                            <p:strVal val="#ppt_x"/>
+                                          </p:val>
+                                        </p:tav>
+                                        <p:tav tm="100000">
+                                          <p:val>
+                                            <p:strVal val="#ppt_x"/>
+                                          </p:val>
+                                        </p:tav>
+                                      </p:tavLst>
+                                    </p:anim>
+                                    <p:anim calcmode="lin" valueType="num">
+                                      <p:cBhvr>
+                                        <p:cTn id="9" dur="250" fill="hold"/>
+                                        <p:tgtEl>
+                                          <p:spTgt spid="8"/>
+                                        </p:tgtEl>
+                                        <p:attrNameLst>
+                                          <p:attrName>ppt_y</p:attrName>
+                                        </p:attrNameLst>
+                                      </p:cBhvr>
+                                      <p:tavLst>
+                                        <p:tav tm="0">
+                                          <p:val>
+                                            <p:strVal val="#ppt_y+.1"/>
+                                          </p:val>
+                                        </p:tav>
+                                        <p:tav tm="100000">
+                                          <p:val>
+                                            <p:strVal val="#ppt_y"/>
+                                          </p:val>
+                                        </p:tav>
+                                      </p:tavLst>
+                                    </p:anim>
+                                  </p:childTnLst>
+                                </p:cTn>
+                              </p:par>
+                            </p:childTnLst>
+                          </p:cTn>
+                        </p:par>
+                      </p:childTnLst>
+                    </p:cTn>
+                  </p:par>
+                </p:childTnLst>
+              </p:cTn>
+              <p:prevCondLst>
+                <p:cond evt="onPrev" delay="0">
+                  <p:tgtEl>
+                    <p:sldTgt/>
+                  </p:tgtEl>
+                </p:cond>
+              </p:prevCondLst>
+              <p:nextCondLst>
+                <p:cond evt="onNext" delay="0">
+                  <p:tgtEl>
+                    <p:sldTgt/>
+                  </p:tgtEl>
+                </p:cond>
+              </p:nextCondLst>
+            </p:seq>
+          </p:childTnLst>
+        </p:cTn>
+      </p:par>
+    </p:tnLst>
+    <p:bldLst>
+      <p:bldP spid="8" grpId="0"/>
+    </p:bldLst>
+  </p:timing>
+</p:sld>
+</file>
+
+<file path=ppt/slides/slide11.xml><?xml version="1.0" encoding="utf-8"?>
+<p:sld xmlns:a="http://schemas.openxmlformats.org/drawingml/2006/main" xmlns:r="http://schemas.openxmlformats.org/officeDocument/2006/relationships" xmlns:p="http://schemas.openxmlformats.org/presentationml/2006/main">
+  <p:cSld>
+    <p:spTree>
+      <p:nvGrpSpPr>
+        <p:cNvPr id="1" name=""/>
+        <p:cNvGrpSpPr/>
+        <p:nvPr/>
+      </p:nvGrpSpPr>
+      <p:grpSpPr>
+        <a:xfrm>
+          <a:off x="0" y="0"/>
+          <a:ext cx="0" cy="0"/>
+          <a:chOff x="0" y="0"/>
+          <a:chExt cx="0" cy="0"/>
+        </a:xfrm>
+      </p:grpSpPr>
+      <p:sp>
+        <p:nvSpPr>
+          <p:cNvPr id="2" name="Title 1">
+            <a:extLst>
+              <a:ext uri="{FF2B5EF4-FFF2-40B4-BE49-F238E27FC236}">
+                <a16:creationId xmlns:a16="http://schemas.microsoft.com/office/drawing/2014/main" id="{1DC8A8C1-26FE-F615-2994-771E12113371}"/>
+              </a:ext>
+            </a:extLst>
+          </p:cNvPr>
+          <p:cNvSpPr>
+            <a:spLocks noGrp="1"/>
+          </p:cNvSpPr>
+          <p:nvPr>
+            <p:ph type="title"/>
+          </p:nvPr>
+        </p:nvSpPr>
+        <p:spPr>
+          <a:xfrm>
+            <a:off x="429768" y="1636776"/>
+            <a:ext cx="10890374" cy="1627632"/>
+          </a:xfrm>
+        </p:spPr>
+        <p:txBody>
+          <a:bodyPr anchor="t">
+            <a:normAutofit/>
+          </a:bodyPr>
+          <a:lstStyle/>
+          <a:p>
+            <a:r>
+              <a:rPr lang="en-GB" sz="3400" dirty="0" err="1"/>
+              <a:t>Multumim</a:t>
+            </a:r>
+            <a:r>
+              <a:rPr lang="en-GB" sz="3400" dirty="0"/>
+              <a:t>!</a:t>
+            </a:r>
+          </a:p>
+        </p:txBody>
+      </p:sp>
+      <p:sp>
+        <p:nvSpPr>
+          <p:cNvPr id="4" name="Date Placeholder 3">
+            <a:extLst>
+              <a:ext uri="{FF2B5EF4-FFF2-40B4-BE49-F238E27FC236}">
+                <a16:creationId xmlns:a16="http://schemas.microsoft.com/office/drawing/2014/main" id="{07A4A305-9411-AD43-BDEA-47A2159809BA}"/>
+              </a:ext>
+            </a:extLst>
+          </p:cNvPr>
+          <p:cNvSpPr>
+            <a:spLocks noGrp="1"/>
+          </p:cNvSpPr>
+          <p:nvPr>
+            <p:ph type="dt" sz="half" idx="10"/>
+          </p:nvPr>
+        </p:nvSpPr>
+        <p:spPr>
+          <a:xfrm>
+            <a:off x="431172" y="6490524"/>
+            <a:ext cx="2841959" cy="336141"/>
+          </a:xfrm>
+        </p:spPr>
+        <p:txBody>
+          <a:bodyPr anchor="ctr">
+            <a:normAutofit/>
+          </a:bodyPr>
+          <a:lstStyle/>
+          <a:p>
+            <a:pPr>
+              <a:spcAft>
+                <a:spcPts val="600"/>
+              </a:spcAft>
+            </a:pPr>
+            <a:fld id="{FE21D4C7-8630-4B98-978C-30388BBD4EE8}" type="datetime1">
+              <a:rPr lang="en-US" smtClean="0"/>
+              <a:pPr>
+                <a:spcAft>
+                  <a:spcPts val="600"/>
+                </a:spcAft>
+              </a:pPr>
+              <a:t>11/17/2025</a:t>
+            </a:fld>
+            <a:endParaRPr lang="en-US"/>
+          </a:p>
+        </p:txBody>
+      </p:sp>
+      <p:sp>
+        <p:nvSpPr>
+          <p:cNvPr id="6" name="Slide Number Placeholder 5">
+            <a:extLst>
+              <a:ext uri="{FF2B5EF4-FFF2-40B4-BE49-F238E27FC236}">
+                <a16:creationId xmlns:a16="http://schemas.microsoft.com/office/drawing/2014/main" id="{2747F9DE-404F-6555-6D25-AF4757FE9377}"/>
+              </a:ext>
+            </a:extLst>
+          </p:cNvPr>
+          <p:cNvSpPr>
+            <a:spLocks noGrp="1"/>
+          </p:cNvSpPr>
+          <p:nvPr>
+            <p:ph type="sldNum" sz="quarter" idx="12"/>
+          </p:nvPr>
+        </p:nvSpPr>
+        <p:spPr>
+          <a:xfrm>
+            <a:off x="11648431" y="6490524"/>
+            <a:ext cx="457200" cy="336141"/>
+          </a:xfrm>
+        </p:spPr>
+        <p:txBody>
+          <a:bodyPr anchor="ctr">
+            <a:normAutofit/>
+          </a:bodyPr>
+          <a:lstStyle/>
+          <a:p>
+            <a:pPr>
+              <a:spcAft>
+                <a:spcPts val="600"/>
+              </a:spcAft>
+            </a:pPr>
+            <a:fld id="{84C450F2-3BB4-4AE4-8A35-A9D7AEA4C850}" type="slidenum">
+              <a:rPr lang="en-US" smtClean="0"/>
+              <a:pPr>
+                <a:spcAft>
+                  <a:spcPts val="600"/>
+                </a:spcAft>
+              </a:pPr>
+              <a:t>11</a:t>
             </a:fld>
             <a:endParaRPr lang="en-US"/>
           </a:p>
@@ -18209,50 +18634,6 @@
               <a:t>11/17/2025</a:t>
             </a:fld>
             <a:endParaRPr lang="en-US"/>
-          </a:p>
-        </p:txBody>
-      </p:sp>
-      <p:sp>
-        <p:nvSpPr>
-          <p:cNvPr id="5" name="Footer Placeholder 4">
-            <a:extLst>
-              <a:ext uri="{FF2B5EF4-FFF2-40B4-BE49-F238E27FC236}">
-                <a16:creationId xmlns:a16="http://schemas.microsoft.com/office/drawing/2014/main" id="{A39D1442-60DD-B75F-B8DE-FA1D8627961C}"/>
-              </a:ext>
-            </a:extLst>
-          </p:cNvPr>
-          <p:cNvSpPr>
-            <a:spLocks noGrp="1"/>
-          </p:cNvSpPr>
-          <p:nvPr>
-            <p:ph type="ftr" sz="quarter" idx="11"/>
-          </p:nvPr>
-        </p:nvSpPr>
-        <p:spPr>
-          <a:xfrm>
-            <a:off x="8893370" y="6490524"/>
-            <a:ext cx="2662834" cy="336141"/>
-          </a:xfrm>
-        </p:spPr>
-        <p:txBody>
-          <a:bodyPr vert="horz" lIns="91440" tIns="45720" rIns="91440" bIns="45720" rtlCol="0" anchor="ctr">
-            <a:normAutofit/>
-          </a:bodyPr>
-          <a:lstStyle/>
-          <a:p>
-            <a:pPr>
-              <a:spcAft>
-                <a:spcPts val="600"/>
-              </a:spcAft>
-            </a:pPr>
-            <a:r>
-              <a:rPr lang="en-US" kern="1200">
-                <a:latin typeface="+mn-lt"/>
-                <a:ea typeface="+mn-ea"/>
-                <a:cs typeface="+mn-cs"/>
-              </a:rPr>
-              <a:t>Sample Footer Text</a:t>
-            </a:r>
           </a:p>
         </p:txBody>
       </p:sp>
@@ -18962,50 +19343,6 @@
       </p:sp>
       <p:sp>
         <p:nvSpPr>
-          <p:cNvPr id="5" name="Footer Placeholder 4">
-            <a:extLst>
-              <a:ext uri="{FF2B5EF4-FFF2-40B4-BE49-F238E27FC236}">
-                <a16:creationId xmlns:a16="http://schemas.microsoft.com/office/drawing/2014/main" id="{E48A3295-5613-6F66-9A51-30353B40E152}"/>
-              </a:ext>
-            </a:extLst>
-          </p:cNvPr>
-          <p:cNvSpPr>
-            <a:spLocks noGrp="1"/>
-          </p:cNvSpPr>
-          <p:nvPr>
-            <p:ph type="ftr" sz="quarter" idx="11"/>
-          </p:nvPr>
-        </p:nvSpPr>
-        <p:spPr>
-          <a:xfrm>
-            <a:off x="8893370" y="6490524"/>
-            <a:ext cx="2662834" cy="336141"/>
-          </a:xfrm>
-        </p:spPr>
-        <p:txBody>
-          <a:bodyPr vert="horz" lIns="91440" tIns="45720" rIns="91440" bIns="45720" rtlCol="0" anchor="ctr">
-            <a:normAutofit/>
-          </a:bodyPr>
-          <a:lstStyle/>
-          <a:p>
-            <a:pPr>
-              <a:spcAft>
-                <a:spcPts val="600"/>
-              </a:spcAft>
-            </a:pPr>
-            <a:r>
-              <a:rPr lang="en-US" kern="1200">
-                <a:latin typeface="+mn-lt"/>
-                <a:ea typeface="+mn-ea"/>
-                <a:cs typeface="+mn-cs"/>
-              </a:rPr>
-              <a:t>Sample Footer Text</a:t>
-            </a:r>
-          </a:p>
-        </p:txBody>
-      </p:sp>
-      <p:sp>
-        <p:nvSpPr>
           <p:cNvPr id="6" name="Slide Number Placeholder 5">
             <a:extLst>
               <a:ext uri="{FF2B5EF4-FFF2-40B4-BE49-F238E27FC236}">
@@ -19385,50 +19722,6 @@
               <a:t>11/17/2025</a:t>
             </a:fld>
             <a:endParaRPr lang="en-US"/>
-          </a:p>
-        </p:txBody>
-      </p:sp>
-      <p:sp>
-        <p:nvSpPr>
-          <p:cNvPr id="5" name="Footer Placeholder 4">
-            <a:extLst>
-              <a:ext uri="{FF2B5EF4-FFF2-40B4-BE49-F238E27FC236}">
-                <a16:creationId xmlns:a16="http://schemas.microsoft.com/office/drawing/2014/main" id="{5F607F05-18DD-A21D-AAB0-3F6CA425CA67}"/>
-              </a:ext>
-            </a:extLst>
-          </p:cNvPr>
-          <p:cNvSpPr>
-            <a:spLocks noGrp="1"/>
-          </p:cNvSpPr>
-          <p:nvPr>
-            <p:ph type="ftr" sz="quarter" idx="11"/>
-          </p:nvPr>
-        </p:nvSpPr>
-        <p:spPr>
-          <a:xfrm>
-            <a:off x="8893370" y="6490524"/>
-            <a:ext cx="2662834" cy="336141"/>
-          </a:xfrm>
-        </p:spPr>
-        <p:txBody>
-          <a:bodyPr vert="horz" lIns="91440" tIns="45720" rIns="91440" bIns="45720" rtlCol="0" anchor="ctr">
-            <a:normAutofit/>
-          </a:bodyPr>
-          <a:lstStyle/>
-          <a:p>
-            <a:pPr>
-              <a:spcAft>
-                <a:spcPts val="600"/>
-              </a:spcAft>
-            </a:pPr>
-            <a:r>
-              <a:rPr lang="en-US" kern="1200">
-                <a:latin typeface="+mn-lt"/>
-                <a:ea typeface="+mn-ea"/>
-                <a:cs typeface="+mn-cs"/>
-              </a:rPr>
-              <a:t>Sample Footer Text</a:t>
-            </a:r>
           </a:p>
         </p:txBody>
       </p:sp>
@@ -20125,50 +20418,6 @@
       </p:sp>
       <p:sp>
         <p:nvSpPr>
-          <p:cNvPr id="5" name="Footer Placeholder 4">
-            <a:extLst>
-              <a:ext uri="{FF2B5EF4-FFF2-40B4-BE49-F238E27FC236}">
-                <a16:creationId xmlns:a16="http://schemas.microsoft.com/office/drawing/2014/main" id="{2D197BF2-A5D1-CCB6-A355-3D1B5967522C}"/>
-              </a:ext>
-            </a:extLst>
-          </p:cNvPr>
-          <p:cNvSpPr>
-            <a:spLocks noGrp="1"/>
-          </p:cNvSpPr>
-          <p:nvPr>
-            <p:ph type="ftr" sz="quarter" idx="11"/>
-          </p:nvPr>
-        </p:nvSpPr>
-        <p:spPr>
-          <a:xfrm>
-            <a:off x="8893370" y="6490524"/>
-            <a:ext cx="2662834" cy="336141"/>
-          </a:xfrm>
-        </p:spPr>
-        <p:txBody>
-          <a:bodyPr vert="horz" lIns="91440" tIns="45720" rIns="91440" bIns="45720" rtlCol="0" anchor="ctr">
-            <a:normAutofit/>
-          </a:bodyPr>
-          <a:lstStyle/>
-          <a:p>
-            <a:pPr>
-              <a:spcAft>
-                <a:spcPts val="600"/>
-              </a:spcAft>
-            </a:pPr>
-            <a:r>
-              <a:rPr lang="en-US" kern="1200">
-                <a:latin typeface="+mn-lt"/>
-                <a:ea typeface="+mn-ea"/>
-                <a:cs typeface="+mn-cs"/>
-              </a:rPr>
-              <a:t>Sample Footer Text</a:t>
-            </a:r>
-          </a:p>
-        </p:txBody>
-      </p:sp>
-      <p:sp>
-        <p:nvSpPr>
           <p:cNvPr id="6" name="Slide Number Placeholder 5">
             <a:extLst>
               <a:ext uri="{FF2B5EF4-FFF2-40B4-BE49-F238E27FC236}">
@@ -20709,50 +20958,6 @@
       </p:sp>
       <p:sp>
         <p:nvSpPr>
-          <p:cNvPr id="5" name="Footer Placeholder 4">
-            <a:extLst>
-              <a:ext uri="{FF2B5EF4-FFF2-40B4-BE49-F238E27FC236}">
-                <a16:creationId xmlns:a16="http://schemas.microsoft.com/office/drawing/2014/main" id="{3EA13F9C-E512-1154-20DB-8F3BEB24B612}"/>
-              </a:ext>
-            </a:extLst>
-          </p:cNvPr>
-          <p:cNvSpPr>
-            <a:spLocks noGrp="1"/>
-          </p:cNvSpPr>
-          <p:nvPr>
-            <p:ph type="ftr" sz="quarter" idx="11"/>
-          </p:nvPr>
-        </p:nvSpPr>
-        <p:spPr>
-          <a:xfrm>
-            <a:off x="8893370" y="6490524"/>
-            <a:ext cx="2662834" cy="336141"/>
-          </a:xfrm>
-        </p:spPr>
-        <p:txBody>
-          <a:bodyPr vert="horz" lIns="91440" tIns="45720" rIns="91440" bIns="45720" rtlCol="0" anchor="ctr">
-            <a:normAutofit/>
-          </a:bodyPr>
-          <a:lstStyle/>
-          <a:p>
-            <a:pPr>
-              <a:spcAft>
-                <a:spcPts val="600"/>
-              </a:spcAft>
-            </a:pPr>
-            <a:r>
-              <a:rPr lang="en-US" kern="1200">
-                <a:latin typeface="+mn-lt"/>
-                <a:ea typeface="+mn-ea"/>
-                <a:cs typeface="+mn-cs"/>
-              </a:rPr>
-              <a:t>Sample Footer Text</a:t>
-            </a:r>
-          </a:p>
-        </p:txBody>
-      </p:sp>
-      <p:sp>
-        <p:nvSpPr>
           <p:cNvPr id="6" name="Slide Number Placeholder 5">
             <a:extLst>
               <a:ext uri="{FF2B5EF4-FFF2-40B4-BE49-F238E27FC236}">
@@ -21451,50 +21656,6 @@
       </p:sp>
       <p:sp>
         <p:nvSpPr>
-          <p:cNvPr id="5" name="Footer Placeholder 4">
-            <a:extLst>
-              <a:ext uri="{FF2B5EF4-FFF2-40B4-BE49-F238E27FC236}">
-                <a16:creationId xmlns:a16="http://schemas.microsoft.com/office/drawing/2014/main" id="{4192906C-2A01-4B2E-D76A-8FB2652A847A}"/>
-              </a:ext>
-            </a:extLst>
-          </p:cNvPr>
-          <p:cNvSpPr>
-            <a:spLocks noGrp="1"/>
-          </p:cNvSpPr>
-          <p:nvPr>
-            <p:ph type="ftr" sz="quarter" idx="11"/>
-          </p:nvPr>
-        </p:nvSpPr>
-        <p:spPr>
-          <a:xfrm>
-            <a:off x="8893370" y="6490524"/>
-            <a:ext cx="2662834" cy="336141"/>
-          </a:xfrm>
-        </p:spPr>
-        <p:txBody>
-          <a:bodyPr vert="horz" lIns="91440" tIns="45720" rIns="91440" bIns="45720" rtlCol="0" anchor="ctr">
-            <a:normAutofit/>
-          </a:bodyPr>
-          <a:lstStyle/>
-          <a:p>
-            <a:pPr>
-              <a:spcAft>
-                <a:spcPts val="600"/>
-              </a:spcAft>
-            </a:pPr>
-            <a:r>
-              <a:rPr lang="en-US" kern="1200">
-                <a:latin typeface="+mn-lt"/>
-                <a:ea typeface="+mn-ea"/>
-                <a:cs typeface="+mn-cs"/>
-              </a:rPr>
-              <a:t>Sample Footer Text</a:t>
-            </a:r>
-          </a:p>
-        </p:txBody>
-      </p:sp>
-      <p:sp>
-        <p:nvSpPr>
           <p:cNvPr id="6" name="Slide Number Placeholder 5">
             <a:extLst>
               <a:ext uri="{FF2B5EF4-FFF2-40B4-BE49-F238E27FC236}">
@@ -21561,7 +21722,7 @@
         </p:blipFill>
         <p:spPr>
           <a:xfrm>
-            <a:off x="0" y="347246"/>
+            <a:off x="0" y="1078992"/>
             <a:ext cx="8182341" cy="3685739"/>
           </a:xfrm>
           <a:prstGeom prst="rect">
@@ -21788,46 +21949,6 @@
       </p:sp>
       <p:sp>
         <p:nvSpPr>
-          <p:cNvPr id="5" name="Footer Placeholder 4">
-            <a:extLst>
-              <a:ext uri="{FF2B5EF4-FFF2-40B4-BE49-F238E27FC236}">
-                <a16:creationId xmlns:a16="http://schemas.microsoft.com/office/drawing/2014/main" id="{B50E3607-3374-B9C7-A9F5-117BFF8EB1EB}"/>
-              </a:ext>
-            </a:extLst>
-          </p:cNvPr>
-          <p:cNvSpPr>
-            <a:spLocks noGrp="1"/>
-          </p:cNvSpPr>
-          <p:nvPr>
-            <p:ph type="ftr" sz="quarter" idx="11"/>
-          </p:nvPr>
-        </p:nvSpPr>
-        <p:spPr>
-          <a:xfrm>
-            <a:off x="8893370" y="6490524"/>
-            <a:ext cx="2662834" cy="336141"/>
-          </a:xfrm>
-        </p:spPr>
-        <p:txBody>
-          <a:bodyPr anchor="ctr">
-            <a:normAutofit/>
-          </a:bodyPr>
-          <a:lstStyle/>
-          <a:p>
-            <a:pPr>
-              <a:spcAft>
-                <a:spcPts val="600"/>
-              </a:spcAft>
-            </a:pPr>
-            <a:r>
-              <a:rPr lang="en-US"/>
-              <a:t>Sample Footer Text</a:t>
-            </a:r>
-          </a:p>
-        </p:txBody>
-      </p:sp>
-      <p:sp>
-        <p:nvSpPr>
           <p:cNvPr id="6" name="Slide Number Placeholder 5">
             <a:extLst>
               <a:ext uri="{FF2B5EF4-FFF2-40B4-BE49-F238E27FC236}">
@@ -21869,6 +21990,96 @@
               <a:t>8</a:t>
             </a:fld>
             <a:endParaRPr lang="en-US"/>
+          </a:p>
+        </p:txBody>
+      </p:sp>
+      <p:pic>
+        <p:nvPicPr>
+          <p:cNvPr id="3" name="Picture 2" descr="A computer screen shot of a computer&#10;&#10;AI-generated content may be incorrect.">
+            <a:extLst>
+              <a:ext uri="{FF2B5EF4-FFF2-40B4-BE49-F238E27FC236}">
+                <a16:creationId xmlns:a16="http://schemas.microsoft.com/office/drawing/2014/main" id="{51D988A7-FCB0-1374-33ED-1556B2FD0197}"/>
+              </a:ext>
+            </a:extLst>
+          </p:cNvPr>
+          <p:cNvPicPr>
+            <a:picLocks noChangeAspect="1"/>
+          </p:cNvPicPr>
+          <p:nvPr/>
+        </p:nvPicPr>
+        <p:blipFill>
+          <a:blip r:embed="rId3"/>
+          <a:stretch>
+            <a:fillRect/>
+          </a:stretch>
+        </p:blipFill>
+        <p:spPr>
+          <a:xfrm>
+            <a:off x="0" y="1122267"/>
+            <a:ext cx="8726118" cy="4048690"/>
+          </a:xfrm>
+          <a:prstGeom prst="rect">
+            <a:avLst/>
+          </a:prstGeom>
+        </p:spPr>
+      </p:pic>
+      <p:sp>
+        <p:nvSpPr>
+          <p:cNvPr id="7" name="Title 1">
+            <a:extLst>
+              <a:ext uri="{FF2B5EF4-FFF2-40B4-BE49-F238E27FC236}">
+                <a16:creationId xmlns:a16="http://schemas.microsoft.com/office/drawing/2014/main" id="{7511F686-D982-8858-9A9E-D95EDAF7ACC8}"/>
+              </a:ext>
+            </a:extLst>
+          </p:cNvPr>
+          <p:cNvSpPr>
+            <a:spLocks noGrp="1"/>
+          </p:cNvSpPr>
+          <p:nvPr>
+            <p:ph type="title"/>
+          </p:nvPr>
+        </p:nvSpPr>
+        <p:spPr>
+          <a:xfrm>
+            <a:off x="8702154" y="1198940"/>
+            <a:ext cx="3489846" cy="1947672"/>
+          </a:xfrm>
+        </p:spPr>
+        <p:txBody>
+          <a:bodyPr vert="horz" lIns="91440" tIns="45720" rIns="91440" bIns="45720" rtlCol="0" anchor="b">
+            <a:normAutofit/>
+          </a:bodyPr>
+          <a:lstStyle/>
+          <a:p>
+            <a:r>
+              <a:rPr lang="en-US" sz="2800" b="0" kern="1200" cap="all" baseline="0" dirty="0" err="1">
+                <a:latin typeface="+mj-lt"/>
+                <a:ea typeface="+mj-ea"/>
+                <a:cs typeface="+mj-cs"/>
+              </a:rPr>
+              <a:t>Startul</a:t>
+            </a:r>
+            <a:r>
+              <a:rPr lang="en-US" sz="2800" b="0" kern="1200" cap="all" baseline="0" dirty="0">
+                <a:latin typeface="+mj-lt"/>
+                <a:ea typeface="+mj-ea"/>
+                <a:cs typeface="+mj-cs"/>
+              </a:rPr>
+              <a:t> </a:t>
+            </a:r>
+            <a:r>
+              <a:rPr lang="en-US" sz="2800" b="0" kern="1200" cap="all" baseline="0" dirty="0" err="1">
+                <a:latin typeface="+mj-lt"/>
+                <a:ea typeface="+mj-ea"/>
+                <a:cs typeface="+mj-cs"/>
+              </a:rPr>
+              <a:t>ui-ului</a:t>
+            </a:r>
+            <a:endParaRPr lang="en-US" sz="2800" b="0" kern="1200" cap="all" baseline="0" dirty="0">
+              <a:latin typeface="+mj-lt"/>
+              <a:ea typeface="+mj-ea"/>
+              <a:cs typeface="+mj-cs"/>
+            </a:endParaRPr>
           </a:p>
         </p:txBody>
       </p:sp>
@@ -21893,7 +22104,13 @@
   <p:cSld>
     <p:spTree>
       <p:nvGrpSpPr>
-        <p:cNvPr id="1" name=""/>
+        <p:cNvPr id="1" name="">
+          <a:extLst>
+            <a:ext uri="{FF2B5EF4-FFF2-40B4-BE49-F238E27FC236}">
+              <a16:creationId xmlns:a16="http://schemas.microsoft.com/office/drawing/2014/main" id="{815E18A2-5528-E12D-3682-1DE7720B7325}"/>
+            </a:ext>
+          </a:extLst>
+        </p:cNvPr>
         <p:cNvGrpSpPr/>
         <p:nvPr/>
       </p:nvGrpSpPr>
@@ -21907,217 +22124,28 @@
       </p:grpSpPr>
       <p:sp>
         <p:nvSpPr>
-          <p:cNvPr id="2" name="Title 1">
-            <a:extLst>
-              <a:ext uri="{FF2B5EF4-FFF2-40B4-BE49-F238E27FC236}">
-                <a16:creationId xmlns:a16="http://schemas.microsoft.com/office/drawing/2014/main" id="{B62FDEF2-7BDC-4462-5972-7B7A6F089BDD}"/>
-              </a:ext>
-            </a:extLst>
-          </p:cNvPr>
-          <p:cNvSpPr>
-            <a:spLocks noGrp="1"/>
-          </p:cNvSpPr>
-          <p:nvPr>
-            <p:ph type="title"/>
+          <p:cNvPr id="4" name="Date Placeholder 3">
+            <a:extLst>
+              <a:ext uri="{FF2B5EF4-FFF2-40B4-BE49-F238E27FC236}">
+                <a16:creationId xmlns:a16="http://schemas.microsoft.com/office/drawing/2014/main" id="{DA465857-A1EE-DD72-6D99-34B2455AFF83}"/>
+              </a:ext>
+            </a:extLst>
+          </p:cNvPr>
+          <p:cNvSpPr>
+            <a:spLocks noGrp="1"/>
+          </p:cNvSpPr>
+          <p:nvPr>
+            <p:ph type="dt" sz="half" idx="10"/>
           </p:nvPr>
         </p:nvSpPr>
         <p:spPr>
           <a:xfrm>
-            <a:off x="429768" y="548639"/>
-            <a:ext cx="4855464" cy="1453896"/>
+            <a:off x="431172" y="6490524"/>
+            <a:ext cx="2841959" cy="336141"/>
           </a:xfrm>
         </p:spPr>
         <p:txBody>
-          <a:bodyPr vert="horz" lIns="91440" tIns="45720" rIns="91440" bIns="45720" rtlCol="0" anchor="t">
-            <a:normAutofit/>
-          </a:bodyPr>
-          <a:lstStyle/>
-          <a:p>
-            <a:r>
-              <a:rPr lang="en-US" b="0" kern="1200" cap="all" baseline="0" dirty="0" err="1">
-                <a:latin typeface="+mj-lt"/>
-                <a:ea typeface="+mj-ea"/>
-                <a:cs typeface="+mj-cs"/>
-              </a:rPr>
-              <a:t>Impartirea</a:t>
-            </a:r>
-            <a:r>
-              <a:rPr lang="en-US" b="0" kern="1200" cap="all" baseline="0" dirty="0">
-                <a:latin typeface="+mj-lt"/>
-                <a:ea typeface="+mj-ea"/>
-                <a:cs typeface="+mj-cs"/>
-              </a:rPr>
-              <a:t> </a:t>
-            </a:r>
-            <a:r>
-              <a:rPr lang="en-US" b="0" kern="1200" cap="all" baseline="0" dirty="0" err="1">
-                <a:latin typeface="+mj-lt"/>
-                <a:ea typeface="+mj-ea"/>
-                <a:cs typeface="+mj-cs"/>
-              </a:rPr>
-              <a:t>sarcinilor</a:t>
-            </a:r>
-            <a:endParaRPr lang="en-US" b="0" kern="1200" cap="all" baseline="0" dirty="0">
-              <a:latin typeface="+mj-lt"/>
-              <a:ea typeface="+mj-ea"/>
-              <a:cs typeface="+mj-cs"/>
-            </a:endParaRPr>
-          </a:p>
-        </p:txBody>
-      </p:sp>
-      <p:pic>
-        <p:nvPicPr>
-          <p:cNvPr id="7" name="Content Placeholder 6" descr="Team members collaborating with laptops, charts, and documents in a professional workspace">
-            <a:extLst>
-              <a:ext uri="{FF2B5EF4-FFF2-40B4-BE49-F238E27FC236}">
-                <a16:creationId xmlns:a16="http://schemas.microsoft.com/office/drawing/2014/main" id="{217884D9-783E-450B-89ED-A6B3DA950BDC}"/>
-              </a:ext>
-            </a:extLst>
-          </p:cNvPr>
-          <p:cNvPicPr>
-            <a:picLocks noGrp="1" noChangeAspect="1"/>
-          </p:cNvPicPr>
-          <p:nvPr>
-            <p:ph type="pic" sz="quarter" idx="15"/>
-          </p:nvPr>
-        </p:nvPicPr>
-        <p:blipFill>
-          <a:blip r:embed="rId3"/>
-          <a:srcRect l="11660" r="11053" b="3"/>
-          <a:stretch>
-            <a:fillRect/>
-          </a:stretch>
-        </p:blipFill>
-        <p:spPr>
-          <a:xfrm>
-            <a:off x="20" y="2293496"/>
-            <a:ext cx="5285212" cy="4564504"/>
-          </a:xfrm>
-          <a:prstGeom prst="rect">
-            <a:avLst/>
-          </a:prstGeom>
-          <a:noFill/>
-        </p:spPr>
-      </p:pic>
-      <p:sp>
-        <p:nvSpPr>
-          <p:cNvPr id="8" name="TextBox 7">
-            <a:extLst>
-              <a:ext uri="{FF2B5EF4-FFF2-40B4-BE49-F238E27FC236}">
-                <a16:creationId xmlns:a16="http://schemas.microsoft.com/office/drawing/2014/main" id="{AC2AC527-B536-4CD5-94C4-AF63B9916423}"/>
-              </a:ext>
-            </a:extLst>
-          </p:cNvPr>
-          <p:cNvSpPr txBox="1"/>
-          <p:nvPr>
-            <p:extLst>
-              <p:ext uri="{E7BDC344-281C-4309-B0C6-D0EE65EED2A8}">
-                <p202:designPr xmlns:p202="http://schemas.microsoft.com/office/powerpoint/2020/02/main">
-                  <p202:designTagLst>
-                    <p202:designTag name="ARCH:1:CLS" val="InformationBlock"/>
-                    <p202:designTag name="ARCH:1:VSVAR" val="TitledTextBox"/>
-                  </p202:designTagLst>
-                </p202:designPr>
-              </p:ext>
-            </p:extLst>
-          </p:nvPr>
-        </p:nvSpPr>
-        <p:spPr>
-          <a:xfrm>
-            <a:off x="6096000" y="549275"/>
-            <a:ext cx="5585925" cy="5783263"/>
-          </a:xfrm>
-          <a:prstGeom prst="rect">
-            <a:avLst/>
-          </a:prstGeom>
-        </p:spPr>
-        <p:txBody>
-          <a:bodyPr>
-            <a:normAutofit/>
-          </a:bodyPr>
-          <a:lstStyle/>
-          <a:p>
-            <a:pPr marL="0" indent="0">
-              <a:spcBef>
-                <a:spcPts val="2500"/>
-              </a:spcBef>
-              <a:spcAft>
-                <a:spcPts val="600"/>
-              </a:spcAft>
-              <a:buFont typeface="Arial" panose="020B0604020202020204" pitchFamily="34" charset="0"/>
-              <a:buNone/>
-            </a:pPr>
-            <a:r>
-              <a:rPr lang="en-GB" sz="1600" dirty="0"/>
-              <a:t>Marius – UI, controllers, SonarQube</a:t>
-            </a:r>
-          </a:p>
-          <a:p>
-            <a:pPr marL="0" indent="0">
-              <a:spcBef>
-                <a:spcPts val="2500"/>
-              </a:spcBef>
-              <a:spcAft>
-                <a:spcPts val="600"/>
-              </a:spcAft>
-              <a:buFont typeface="Arial" panose="020B0604020202020204" pitchFamily="34" charset="0"/>
-              <a:buNone/>
-            </a:pPr>
-            <a:r>
-              <a:rPr lang="en-GB" sz="1600" dirty="0"/>
-              <a:t>Daria – Database connection, models, Docker Compose</a:t>
-            </a:r>
-          </a:p>
-          <a:p>
-            <a:pPr marL="0" indent="0">
-              <a:spcBef>
-                <a:spcPts val="2500"/>
-              </a:spcBef>
-              <a:spcAft>
-                <a:spcPts val="600"/>
-              </a:spcAft>
-              <a:buFont typeface="Arial" panose="020B0604020202020204" pitchFamily="34" charset="0"/>
-              <a:buNone/>
-            </a:pPr>
-            <a:r>
-              <a:rPr lang="en-GB" sz="1600" dirty="0"/>
-              <a:t>Andrei – Logica </a:t>
-            </a:r>
-            <a:r>
-              <a:rPr lang="en-GB" sz="1600" dirty="0" err="1"/>
-              <a:t>serviciilor</a:t>
-            </a:r>
-            <a:r>
-              <a:rPr lang="en-GB" sz="1600" dirty="0"/>
-              <a:t>, DTOs</a:t>
-            </a:r>
-          </a:p>
-        </p:txBody>
-      </p:sp>
-      <p:sp>
-        <p:nvSpPr>
-          <p:cNvPr id="4" name="Date Placeholder 3">
-            <a:extLst>
-              <a:ext uri="{FF2B5EF4-FFF2-40B4-BE49-F238E27FC236}">
-                <a16:creationId xmlns:a16="http://schemas.microsoft.com/office/drawing/2014/main" id="{830B21D0-57DE-1902-434B-AD829E404D26}"/>
-              </a:ext>
-            </a:extLst>
-          </p:cNvPr>
-          <p:cNvSpPr>
-            <a:spLocks noGrp="1"/>
-          </p:cNvSpPr>
-          <p:nvPr>
-            <p:ph type="dt" sz="half" idx="10"/>
-          </p:nvPr>
-        </p:nvSpPr>
-        <p:spPr>
-          <a:xfrm>
-            <a:off x="6096000" y="6492240"/>
-            <a:ext cx="2651760" cy="338328"/>
-          </a:xfrm>
-        </p:spPr>
-        <p:txBody>
-          <a:bodyPr vert="horz" lIns="91440" tIns="45720" rIns="91440" bIns="45720" rtlCol="0" anchor="ctr">
+          <a:bodyPr anchor="ctr">
             <a:normAutofit/>
           </a:bodyPr>
           <a:lstStyle/>
@@ -22127,7 +22155,7 @@
                 <a:spcPts val="600"/>
               </a:spcAft>
             </a:pPr>
-            <a:fld id="{FE21D4C7-8630-4B98-978C-30388BBD4EE8}" type="datetime1">
+            <a:fld id="{B04EF954-66B1-4168-AF40-97F3DAF43FC4}" type="datetime1">
               <a:rPr lang="en-US" smtClean="0"/>
               <a:pPr>
                 <a:spcAft>
@@ -22142,54 +22170,10 @@
       </p:sp>
       <p:sp>
         <p:nvSpPr>
-          <p:cNvPr id="5" name="Footer Placeholder 4">
-            <a:extLst>
-              <a:ext uri="{FF2B5EF4-FFF2-40B4-BE49-F238E27FC236}">
-                <a16:creationId xmlns:a16="http://schemas.microsoft.com/office/drawing/2014/main" id="{6D882F72-80B2-7968-989A-05911EEA3100}"/>
-              </a:ext>
-            </a:extLst>
-          </p:cNvPr>
-          <p:cNvSpPr>
-            <a:spLocks noGrp="1"/>
-          </p:cNvSpPr>
-          <p:nvPr>
-            <p:ph type="ftr" sz="quarter" idx="11"/>
-          </p:nvPr>
-        </p:nvSpPr>
-        <p:spPr>
-          <a:xfrm>
-            <a:off x="8893370" y="6490524"/>
-            <a:ext cx="2662834" cy="336141"/>
-          </a:xfrm>
-        </p:spPr>
-        <p:txBody>
-          <a:bodyPr vert="horz" lIns="91440" tIns="45720" rIns="91440" bIns="45720" rtlCol="0" anchor="ctr">
-            <a:normAutofit/>
-          </a:bodyPr>
-          <a:lstStyle/>
-          <a:p>
-            <a:pPr>
-              <a:spcAft>
-                <a:spcPts val="600"/>
-              </a:spcAft>
-            </a:pPr>
-            <a:r>
-              <a:rPr lang="en-US" kern="1200">
-                <a:latin typeface="+mn-lt"/>
-                <a:ea typeface="+mn-ea"/>
-                <a:cs typeface="+mn-cs"/>
-              </a:rPr>
-              <a:t>Sample Footer Text</a:t>
-            </a:r>
-          </a:p>
-        </p:txBody>
-      </p:sp>
-      <p:sp>
-        <p:nvSpPr>
           <p:cNvPr id="6" name="Slide Number Placeholder 5">
             <a:extLst>
               <a:ext uri="{FF2B5EF4-FFF2-40B4-BE49-F238E27FC236}">
-                <a16:creationId xmlns:a16="http://schemas.microsoft.com/office/drawing/2014/main" id="{DA7CD050-06DE-E24C-1383-88D679F91CE1}"/>
+                <a16:creationId xmlns:a16="http://schemas.microsoft.com/office/drawing/2014/main" id="{992C015D-17A8-1C66-9BCE-FD3F36CFAB9A}"/>
               </a:ext>
             </a:extLst>
           </p:cNvPr>
@@ -22207,7 +22191,7 @@
           </a:xfrm>
         </p:spPr>
         <p:txBody>
-          <a:bodyPr vert="horz" lIns="91440" tIns="45720" rIns="91440" bIns="45720" rtlCol="0" anchor="ctr">
+          <a:bodyPr anchor="ctr">
             <a:normAutofit/>
           </a:bodyPr>
           <a:lstStyle/>
@@ -22230,10 +22214,100 @@
           </a:p>
         </p:txBody>
       </p:sp>
+      <p:sp>
+        <p:nvSpPr>
+          <p:cNvPr id="7" name="Title 1">
+            <a:extLst>
+              <a:ext uri="{FF2B5EF4-FFF2-40B4-BE49-F238E27FC236}">
+                <a16:creationId xmlns:a16="http://schemas.microsoft.com/office/drawing/2014/main" id="{8A49B8CD-6A38-C05B-22A7-65A518F4F5A0}"/>
+              </a:ext>
+            </a:extLst>
+          </p:cNvPr>
+          <p:cNvSpPr>
+            <a:spLocks noGrp="1"/>
+          </p:cNvSpPr>
+          <p:nvPr>
+            <p:ph type="title"/>
+          </p:nvPr>
+        </p:nvSpPr>
+        <p:spPr>
+          <a:xfrm>
+            <a:off x="8702154" y="1198940"/>
+            <a:ext cx="3489846" cy="1947672"/>
+          </a:xfrm>
+        </p:spPr>
+        <p:txBody>
+          <a:bodyPr vert="horz" lIns="91440" tIns="45720" rIns="91440" bIns="45720" rtlCol="0" anchor="b">
+            <a:normAutofit/>
+          </a:bodyPr>
+          <a:lstStyle/>
+          <a:p>
+            <a:r>
+              <a:rPr lang="en-US" sz="2800" b="0" kern="1200" cap="all" baseline="0" dirty="0" err="1">
+                <a:latin typeface="+mj-lt"/>
+                <a:ea typeface="+mj-ea"/>
+                <a:cs typeface="+mj-cs"/>
+              </a:rPr>
+              <a:t>Startul</a:t>
+            </a:r>
+            <a:r>
+              <a:rPr lang="en-US" sz="2800" b="0" kern="1200" cap="all" baseline="0" dirty="0">
+                <a:latin typeface="+mj-lt"/>
+                <a:ea typeface="+mj-ea"/>
+                <a:cs typeface="+mj-cs"/>
+              </a:rPr>
+              <a:t> </a:t>
+            </a:r>
+            <a:r>
+              <a:rPr lang="en-US" sz="2800" b="0" kern="1200" cap="all" baseline="0" dirty="0" err="1">
+                <a:latin typeface="+mj-lt"/>
+                <a:ea typeface="+mj-ea"/>
+                <a:cs typeface="+mj-cs"/>
+              </a:rPr>
+              <a:t>ui-ului</a:t>
+            </a:r>
+            <a:endParaRPr lang="en-US" sz="2800" b="0" kern="1200" cap="all" baseline="0" dirty="0">
+              <a:latin typeface="+mj-lt"/>
+              <a:ea typeface="+mj-ea"/>
+              <a:cs typeface="+mj-cs"/>
+            </a:endParaRPr>
+          </a:p>
+        </p:txBody>
+      </p:sp>
+      <p:pic>
+        <p:nvPicPr>
+          <p:cNvPr id="8" name="Picture 7" descr="A screenshot of a computer&#10;&#10;AI-generated content may be incorrect.">
+            <a:extLst>
+              <a:ext uri="{FF2B5EF4-FFF2-40B4-BE49-F238E27FC236}">
+                <a16:creationId xmlns:a16="http://schemas.microsoft.com/office/drawing/2014/main" id="{A1EBD9AC-BC0F-7590-0C4A-870F77BAE978}"/>
+              </a:ext>
+            </a:extLst>
+          </p:cNvPr>
+          <p:cNvPicPr>
+            <a:picLocks noChangeAspect="1"/>
+          </p:cNvPicPr>
+          <p:nvPr/>
+        </p:nvPicPr>
+        <p:blipFill>
+          <a:blip r:embed="rId3"/>
+          <a:stretch>
+            <a:fillRect/>
+          </a:stretch>
+        </p:blipFill>
+        <p:spPr>
+          <a:xfrm>
+            <a:off x="0" y="169634"/>
+            <a:ext cx="6992326" cy="5953956"/>
+          </a:xfrm>
+          <a:prstGeom prst="rect">
+            <a:avLst/>
+          </a:prstGeom>
+        </p:spPr>
+      </p:pic>
     </p:spTree>
     <p:extLst>
       <p:ext uri="{BB962C8B-B14F-4D97-AF65-F5344CB8AC3E}">
-        <p14:creationId xmlns:p14="http://schemas.microsoft.com/office/powerpoint/2010/main" val="3433122960"/>
+        <p14:creationId xmlns:p14="http://schemas.microsoft.com/office/powerpoint/2010/main" val="3009765061"/>
       </p:ext>
     </p:extLst>
   </p:cSld>
@@ -22243,144 +22317,6 @@
   <p:transition>
     <p:fade/>
   </p:transition>
-  <p:timing>
-    <p:tnLst>
-      <p:par>
-        <p:cTn id="1" dur="indefinite" restart="never" nodeType="tmRoot">
-          <p:childTnLst>
-            <p:seq concurrent="1" nextAc="seek">
-              <p:cTn id="2" dur="indefinite" nodeType="mainSeq">
-                <p:childTnLst>
-                  <p:par>
-                    <p:cTn id="3" fill="hold">
-                      <p:stCondLst>
-                        <p:cond delay="indefinite"/>
-                        <p:cond evt="onBegin" delay="0">
-                          <p:tn val="2"/>
-                        </p:cond>
-                      </p:stCondLst>
-                      <p:childTnLst>
-                        <p:par>
-                          <p:cTn id="4" fill="hold">
-                            <p:stCondLst>
-                              <p:cond delay="0"/>
-                            </p:stCondLst>
-                            <p:childTnLst>
-                              <p:par>
-                                <p:cTn id="5" presetID="42" presetClass="entr" presetSubtype="0" fill="hold" grpId="0" nodeType="withEffect">
-                                  <p:stCondLst>
-                                    <p:cond delay="250"/>
-                                  </p:stCondLst>
-                                  <p:iterate>
-                                    <p:tmPct val="10000"/>
-                                  </p:iterate>
-                                  <p:childTnLst>
-                                    <p:set>
-                                      <p:cBhvr>
-                                        <p:cTn id="6" dur="1" fill="hold">
-                                          <p:stCondLst>
-                                            <p:cond delay="0"/>
-                                          </p:stCondLst>
-                                        </p:cTn>
-                                        <p:tgtEl>
-                                          <p:spTgt spid="8"/>
-                                        </p:tgtEl>
-                                        <p:attrNameLst>
-                                          <p:attrName>style.visibility</p:attrName>
-                                        </p:attrNameLst>
-                                      </p:cBhvr>
-                                      <p:to>
-                                        <p:strVal val="visible"/>
-                                      </p:to>
-                                    </p:set>
-                                    <p:animEffect transition="in" filter="fade">
-                                      <p:cBhvr>
-                                        <p:cTn id="7" dur="250"/>
-                                        <p:tgtEl>
-                                          <p:spTgt spid="8"/>
-                                        </p:tgtEl>
-                                      </p:cBhvr>
-                                    </p:animEffect>
-                                    <p:anim calcmode="lin" valueType="num">
-                                      <p:cBhvr>
-                                        <p:cTn id="8" dur="250" fill="hold"/>
-                                        <p:tgtEl>
-                                          <p:spTgt spid="8"/>
-                                        </p:tgtEl>
-                                        <p:attrNameLst>
-                                          <p:attrName>ppt_x</p:attrName>
-                                        </p:attrNameLst>
-                                      </p:cBhvr>
-                                      <p:tavLst>
-                                        <p:tav tm="0">
-                                          <p:val>
-                                            <p:strVal val="#ppt_x"/>
-                                          </p:val>
-                                        </p:tav>
-                                        <p:tav tm="100000">
-                                          <p:val>
-                                            <p:strVal val="#ppt_x"/>
-                                          </p:val>
-                                        </p:tav>
-                                      </p:tavLst>
-                                    </p:anim>
-                                    <p:anim calcmode="lin" valueType="num">
-                                      <p:cBhvr>
-                                        <p:cTn id="9" dur="250" fill="hold"/>
-                                        <p:tgtEl>
-                                          <p:spTgt spid="8"/>
-                                        </p:tgtEl>
-                                        <p:attrNameLst>
-                                          <p:attrName>ppt_y</p:attrName>
-                                        </p:attrNameLst>
-                                      </p:cBhvr>
-                                      <p:tavLst>
-                                        <p:tav tm="0">
-                                          <p:val>
-                                            <p:strVal val="#ppt_y+.1"/>
-                                          </p:val>
-                                        </p:tav>
-                                        <p:tav tm="100000">
-                                          <p:val>
-                                            <p:strVal val="#ppt_y"/>
-                                          </p:val>
-                                        </p:tav>
-                                      </p:tavLst>
-                                    </p:anim>
-                                  </p:childTnLst>
-                                </p:cTn>
-                              </p:par>
-                            </p:childTnLst>
-                          </p:cTn>
-                        </p:par>
-                      </p:childTnLst>
-                    </p:cTn>
-                  </p:par>
-                </p:childTnLst>
-              </p:cTn>
-              <p:prevCondLst>
-                <p:cond evt="onPrev" delay="0">
-                  <p:tgtEl>
-                    <p:sldTgt/>
-                  </p:tgtEl>
-                </p:cond>
-              </p:prevCondLst>
-              <p:nextCondLst>
-                <p:cond evt="onNext" delay="0">
-                  <p:tgtEl>
-                    <p:sldTgt/>
-                  </p:tgtEl>
-                </p:cond>
-              </p:nextCondLst>
-            </p:seq>
-          </p:childTnLst>
-        </p:cTn>
-      </p:par>
-    </p:tnLst>
-    <p:bldLst>
-      <p:bldP spid="8" grpId="0"/>
-    </p:bldLst>
-  </p:timing>
 </p:sld>
 </file>
 

--- a/Sistem programari ghișeu – MILESTONE 2.pptx
+++ b/Sistem programari ghișeu – MILESTONE 2.pptx
@@ -16950,8 +16950,13 @@
             </a:r>
             <a:r>
               <a:rPr lang="en-US" sz="3600" dirty="0"/>
-              <a:t> – MILESTONE 1</a:t>
-            </a:r>
+              <a:t> – </a:t>
+            </a:r>
+            <a:r>
+              <a:rPr lang="en-US" sz="3600"/>
+              <a:t>MILESTONE 2</a:t>
+            </a:r>
+            <a:endParaRPr lang="en-US" sz="3600" dirty="0"/>
           </a:p>
         </p:txBody>
       </p:sp>
